--- a/Chatbot_Doc/课程/NLP-3-深度学习基础.pptx
+++ b/Chatbot_Doc/课程/NLP-3-深度学习基础.pptx
@@ -3052,8 +3052,8 @@
                 <a:solidFill>
                   <a:schemeClr val="bg1"/>
                 </a:solidFill>
-                <a:latin typeface="Microsoft YaHei" panose="020B0503020204020204" pitchFamily="34" charset="-122"/>
-                <a:ea typeface="Microsoft YaHei" panose="020B0503020204020204" pitchFamily="34" charset="-122"/>
+                <a:latin typeface="微软雅黑" panose="020B0503020204020204" pitchFamily="34" charset="-122"/>
+                <a:ea typeface="微软雅黑" panose="020B0503020204020204" pitchFamily="34" charset="-122"/>
               </a:rPr>
               <a:t>自然语言处理</a:t>
             </a:r>
@@ -3061,8 +3061,8 @@
               <a:solidFill>
                 <a:schemeClr val="bg1"/>
               </a:solidFill>
-              <a:latin typeface="Microsoft YaHei" panose="020B0503020204020204" pitchFamily="34" charset="-122"/>
-              <a:ea typeface="Microsoft YaHei" panose="020B0503020204020204" pitchFamily="34" charset="-122"/>
+              <a:latin typeface="微软雅黑" panose="020B0503020204020204" pitchFamily="34" charset="-122"/>
+              <a:ea typeface="微软雅黑" panose="020B0503020204020204" pitchFamily="34" charset="-122"/>
             </a:endParaRPr>
           </a:p>
           <a:p>
@@ -3072,17 +3072,37 @@
                 <a:solidFill>
                   <a:schemeClr val="bg1"/>
                 </a:solidFill>
-                <a:latin typeface="Microsoft YaHei" panose="020B0503020204020204" pitchFamily="34" charset="-122"/>
-                <a:ea typeface="Microsoft YaHei" panose="020B0503020204020204" pitchFamily="34" charset="-122"/>
-              </a:rPr>
-              <a:t>                               第一讲  概述</a:t>
+                <a:latin typeface="微软雅黑" panose="020B0503020204020204" pitchFamily="34" charset="-122"/>
+                <a:ea typeface="微软雅黑" panose="020B0503020204020204" pitchFamily="34" charset="-122"/>
+              </a:rPr>
+              <a:t>                               第三讲  </a:t>
+            </a:r>
+            <a:r>
+              <a:rPr lang="en-US" altLang="zh-CN" sz="4400" b="1" dirty="0">
+                <a:solidFill>
+                  <a:schemeClr val="bg1"/>
+                </a:solidFill>
+                <a:latin typeface="微软雅黑" panose="020B0503020204020204" pitchFamily="34" charset="-122"/>
+                <a:ea typeface="微软雅黑" panose="020B0503020204020204" pitchFamily="34" charset="-122"/>
+              </a:rPr>
+              <a:t>DL</a:t>
+            </a:r>
+            <a:r>
+              <a:rPr lang="zh-CN" altLang="en-US" sz="4400" b="1" dirty="0">
+                <a:solidFill>
+                  <a:schemeClr val="bg1"/>
+                </a:solidFill>
+                <a:latin typeface="微软雅黑" panose="020B0503020204020204" pitchFamily="34" charset="-122"/>
+                <a:ea typeface="微软雅黑" panose="020B0503020204020204" pitchFamily="34" charset="-122"/>
+              </a:rPr>
+              <a:t>基础</a:t>
             </a:r>
             <a:endParaRPr lang="zh-CN" altLang="en-US" sz="4400" b="1" dirty="0">
               <a:solidFill>
                 <a:schemeClr val="bg1"/>
               </a:solidFill>
-              <a:latin typeface="Microsoft YaHei" panose="020B0503020204020204" pitchFamily="34" charset="-122"/>
-              <a:ea typeface="Microsoft YaHei" panose="020B0503020204020204" pitchFamily="34" charset="-122"/>
+              <a:latin typeface="微软雅黑" panose="020B0503020204020204" pitchFamily="34" charset="-122"/>
+              <a:ea typeface="微软雅黑" panose="020B0503020204020204" pitchFamily="34" charset="-122"/>
             </a:endParaRPr>
           </a:p>
         </p:txBody>
@@ -3148,8 +3168,8 @@
                     <a:lumOff val="80000"/>
                   </a:schemeClr>
                 </a:solidFill>
-                <a:latin typeface="Microsoft YaHei" panose="020B0503020204020204" pitchFamily="34" charset="-122"/>
-                <a:ea typeface="Microsoft YaHei" panose="020B0503020204020204" pitchFamily="34" charset="-122"/>
+                <a:latin typeface="微软雅黑" panose="020B0503020204020204" pitchFamily="34" charset="-122"/>
+                <a:ea typeface="微软雅黑" panose="020B0503020204020204" pitchFamily="34" charset="-122"/>
               </a:rPr>
               <a:t>徐胜全</a:t>
             </a:r>
@@ -3160,8 +3180,8 @@
                   <a:lumOff val="80000"/>
                 </a:schemeClr>
               </a:solidFill>
-              <a:latin typeface="Microsoft YaHei" panose="020B0503020204020204" pitchFamily="34" charset="-122"/>
-              <a:ea typeface="Microsoft YaHei" panose="020B0503020204020204" pitchFamily="34" charset="-122"/>
+              <a:latin typeface="微软雅黑" panose="020B0503020204020204" pitchFamily="34" charset="-122"/>
+              <a:ea typeface="微软雅黑" panose="020B0503020204020204" pitchFamily="34" charset="-122"/>
             </a:endParaRPr>
           </a:p>
           <a:p>
@@ -3174,10 +3194,10 @@
                     <a:lumOff val="80000"/>
                   </a:schemeClr>
                 </a:solidFill>
-                <a:latin typeface="Microsoft YaHei" panose="020B0503020204020204" pitchFamily="34" charset="-122"/>
-                <a:ea typeface="Microsoft YaHei" panose="020B0503020204020204" pitchFamily="34" charset="-122"/>
-              </a:rPr>
-              <a:t>2018.11.18</a:t>
+                <a:latin typeface="微软雅黑" panose="020B0503020204020204" pitchFamily="34" charset="-122"/>
+                <a:ea typeface="微软雅黑" panose="020B0503020204020204" pitchFamily="34" charset="-122"/>
+              </a:rPr>
+              <a:t>2018.12.15</a:t>
             </a:r>
             <a:endParaRPr lang="en-US" altLang="zh-CN" sz="2800" dirty="0">
               <a:solidFill>
@@ -3186,8 +3206,8 @@
                   <a:lumOff val="80000"/>
                 </a:schemeClr>
               </a:solidFill>
-              <a:latin typeface="Microsoft YaHei" panose="020B0503020204020204" pitchFamily="34" charset="-122"/>
-              <a:ea typeface="Microsoft YaHei" panose="020B0503020204020204" pitchFamily="34" charset="-122"/>
+              <a:latin typeface="微软雅黑" panose="020B0503020204020204" pitchFamily="34" charset="-122"/>
+              <a:ea typeface="微软雅黑" panose="020B0503020204020204" pitchFamily="34" charset="-122"/>
             </a:endParaRPr>
           </a:p>
         </p:txBody>
